--- a/public/pptx/days_of_elijah.pptx
+++ b/public/pptx/days_of_elijah.pptx
@@ -210,7 +210,7 @@
           <a:p>
             <a:fld id="{C4BE9B4A-ADEA-4097-8990-47339E2E9F7F}" type="datetimeFigureOut">
               <a:rPr lang="ko-KR" altLang="en-US" smtClean="0"/>
-              <a:t>2024. 7. 21.</a:t>
+              <a:t>2026. 2. 9.</a:t>
             </a:fld>
             <a:endParaRPr lang="ko-KR" altLang="en-US"/>
           </a:p>
@@ -2875,7 +2875,7 @@
         </p:nvSpPr>
         <p:spPr>
           <a:xfrm>
-            <a:off x="0" y="1915910"/>
+            <a:off x="-1984" y="613884"/>
             <a:ext cx="12193984" cy="2160000"/>
           </a:xfrm>
         </p:spPr>
@@ -3074,7 +3074,7 @@
           <a:p>
             <a:fld id="{AE9940A0-3E67-4FB7-BA7E-EAF0C0E0891D}" type="datetimeFigureOut">
               <a:rPr lang="ko-KR" altLang="en-US" smtClean="0"/>
-              <a:t>2024. 7. 21.</a:t>
+              <a:t>2026. 2. 9.</a:t>
             </a:fld>
             <a:endParaRPr lang="ko-KR" altLang="en-US"/>
           </a:p>
